--- a/lab_09-persistence/lab_09-persistence.pptx
+++ b/lab_09-persistence/lab_09-persistence.pptx
@@ -202,7 +202,7 @@
           <a:p>
             <a:fld id="{81C4B3FE-0320-8142-8396-5C3025C019EC}" type="datetimeFigureOut">
               <a:rPr lang="en-IT" smtClean="0"/>
-              <a:t>11/02/22</a:t>
+              <a:t>16/02/22</a:t>
             </a:fld>
             <a:endParaRPr lang="en-IT"/>
           </a:p>
@@ -3010,7 +3010,7 @@
             <a:pPr lvl="1"/>
             <a:r>
               <a:rPr lang="en-US" dirty="0"/>
-              <a:t>Start from the code of Exercise 05.02</a:t>
+              <a:t>Start from the code of Exercise 06.02</a:t>
             </a:r>
           </a:p>
           <a:p>
